--- a/presentation/bbm416.pptx
+++ b/presentation/bbm416.pptx
@@ -291,7 +291,7 @@
             <a:fld id="{4B78263D-DD44-4026-8295-FB8E843C0005}" type="datetimeFigureOut">
               <a:rPr lang="tr-TR" smtClean="0"/>
               <a:pPr/>
-              <a:t>9.6.2018</a:t>
+              <a:t>10.06.2018</a:t>
             </a:fld>
             <a:endParaRPr lang="tr-TR"/>
           </a:p>
@@ -463,7 +463,7 @@
             <a:fld id="{4B78263D-DD44-4026-8295-FB8E843C0005}" type="datetimeFigureOut">
               <a:rPr lang="tr-TR" smtClean="0"/>
               <a:pPr/>
-              <a:t>9.6.2018</a:t>
+              <a:t>10.06.2018</a:t>
             </a:fld>
             <a:endParaRPr lang="tr-TR"/>
           </a:p>
@@ -645,7 +645,7 @@
             <a:fld id="{4B78263D-DD44-4026-8295-FB8E843C0005}" type="datetimeFigureOut">
               <a:rPr lang="tr-TR" smtClean="0"/>
               <a:pPr/>
-              <a:t>9.6.2018</a:t>
+              <a:t>10.06.2018</a:t>
             </a:fld>
             <a:endParaRPr lang="tr-TR"/>
           </a:p>
@@ -1043,7 +1043,7 @@
             <a:fld id="{4B78263D-DD44-4026-8295-FB8E843C0005}" type="datetimeFigureOut">
               <a:rPr lang="tr-TR" smtClean="0"/>
               <a:pPr/>
-              <a:t>9.6.2018</a:t>
+              <a:t>10.06.2018</a:t>
             </a:fld>
             <a:endParaRPr lang="tr-TR"/>
           </a:p>
@@ -1276,7 +1276,7 @@
             <a:fld id="{4B78263D-DD44-4026-8295-FB8E843C0005}" type="datetimeFigureOut">
               <a:rPr lang="tr-TR" smtClean="0"/>
               <a:pPr/>
-              <a:t>9.6.2018</a:t>
+              <a:t>10.06.2018</a:t>
             </a:fld>
             <a:endParaRPr lang="tr-TR"/>
           </a:p>
@@ -2312,7 +2312,7 @@
             <a:fld id="{4B78263D-DD44-4026-8295-FB8E843C0005}" type="datetimeFigureOut">
               <a:rPr lang="tr-TR" smtClean="0"/>
               <a:pPr/>
-              <a:t>9.6.2018</a:t>
+              <a:t>10.06.2018</a:t>
             </a:fld>
             <a:endParaRPr lang="tr-TR"/>
           </a:p>
@@ -2586,7 +2586,7 @@
             <a:fld id="{4B78263D-DD44-4026-8295-FB8E843C0005}" type="datetimeFigureOut">
               <a:rPr lang="tr-TR" smtClean="0"/>
               <a:pPr/>
-              <a:t>9.6.2018</a:t>
+              <a:t>10.06.2018</a:t>
             </a:fld>
             <a:endParaRPr lang="tr-TR"/>
           </a:p>
@@ -2998,7 +2998,7 @@
             <a:fld id="{4B78263D-DD44-4026-8295-FB8E843C0005}" type="datetimeFigureOut">
               <a:rPr lang="tr-TR" smtClean="0"/>
               <a:pPr/>
-              <a:t>9.6.2018</a:t>
+              <a:t>10.06.2018</a:t>
             </a:fld>
             <a:endParaRPr lang="tr-TR"/>
           </a:p>
@@ -3127,7 +3127,7 @@
             <a:fld id="{4B78263D-DD44-4026-8295-FB8E843C0005}" type="datetimeFigureOut">
               <a:rPr lang="tr-TR" smtClean="0"/>
               <a:pPr/>
-              <a:t>9.6.2018</a:t>
+              <a:t>10.06.2018</a:t>
             </a:fld>
             <a:endParaRPr lang="tr-TR"/>
           </a:p>
@@ -3224,7 +3224,7 @@
             <a:fld id="{4B78263D-DD44-4026-8295-FB8E843C0005}" type="datetimeFigureOut">
               <a:rPr lang="tr-TR" smtClean="0"/>
               <a:pPr/>
-              <a:t>9.6.2018</a:t>
+              <a:t>10.06.2018</a:t>
             </a:fld>
             <a:endParaRPr lang="tr-TR"/>
           </a:p>
@@ -4307,7 +4307,7 @@
             <a:fld id="{4B78263D-DD44-4026-8295-FB8E843C0005}" type="datetimeFigureOut">
               <a:rPr lang="tr-TR" smtClean="0"/>
               <a:pPr/>
-              <a:t>9.6.2018</a:t>
+              <a:t>10.06.2018</a:t>
             </a:fld>
             <a:endParaRPr lang="tr-TR"/>
           </a:p>
@@ -4515,7 +4515,7 @@
             <a:fld id="{4B78263D-DD44-4026-8295-FB8E843C0005}" type="datetimeFigureOut">
               <a:rPr lang="tr-TR" smtClean="0"/>
               <a:pPr/>
-              <a:t>9.6.2018</a:t>
+              <a:t>10.06.2018</a:t>
             </a:fld>
             <a:endParaRPr lang="tr-TR"/>
           </a:p>
@@ -5589,7 +5589,7 @@
             <a:fld id="{4B78263D-DD44-4026-8295-FB8E843C0005}" type="datetimeFigureOut">
               <a:rPr lang="tr-TR" smtClean="0"/>
               <a:pPr/>
-              <a:t>9.6.2018</a:t>
+              <a:t>10.06.2018</a:t>
             </a:fld>
             <a:endParaRPr lang="tr-TR"/>
           </a:p>
@@ -6659,7 +6659,7 @@
             <a:fld id="{4B78263D-DD44-4026-8295-FB8E843C0005}" type="datetimeFigureOut">
               <a:rPr lang="tr-TR" smtClean="0"/>
               <a:pPr/>
-              <a:t>9.6.2018</a:t>
+              <a:t>10.06.2018</a:t>
             </a:fld>
             <a:endParaRPr lang="tr-TR"/>
           </a:p>
@@ -7641,7 +7641,7 @@
             <a:fld id="{4B78263D-DD44-4026-8295-FB8E843C0005}" type="datetimeFigureOut">
               <a:rPr lang="tr-TR" smtClean="0"/>
               <a:pPr/>
-              <a:t>9.6.2018</a:t>
+              <a:t>10.06.2018</a:t>
             </a:fld>
             <a:endParaRPr lang="tr-TR"/>
           </a:p>
@@ -8777,7 +8777,7 @@
             <a:fld id="{4B78263D-DD44-4026-8295-FB8E843C0005}" type="datetimeFigureOut">
               <a:rPr lang="tr-TR" smtClean="0"/>
               <a:pPr/>
-              <a:t>9.6.2018</a:t>
+              <a:t>10.06.2018</a:t>
             </a:fld>
             <a:endParaRPr lang="tr-TR"/>
           </a:p>
@@ -9812,7 +9812,7 @@
             <a:fld id="{4B78263D-DD44-4026-8295-FB8E843C0005}" type="datetimeFigureOut">
               <a:rPr lang="tr-TR" smtClean="0"/>
               <a:pPr/>
-              <a:t>9.6.2018</a:t>
+              <a:t>10.06.2018</a:t>
             </a:fld>
             <a:endParaRPr lang="tr-TR"/>
           </a:p>
@@ -10474,7 +10474,7 @@
             <a:fld id="{4B78263D-DD44-4026-8295-FB8E843C0005}" type="datetimeFigureOut">
               <a:rPr lang="tr-TR" smtClean="0"/>
               <a:pPr/>
-              <a:t>9.6.2018</a:t>
+              <a:t>10.06.2018</a:t>
             </a:fld>
             <a:endParaRPr lang="tr-TR"/>
           </a:p>
@@ -11337,7 +11337,7 @@
             <a:fld id="{4B78263D-DD44-4026-8295-FB8E843C0005}" type="datetimeFigureOut">
               <a:rPr lang="tr-TR" smtClean="0"/>
               <a:pPr/>
-              <a:t>9.6.2018</a:t>
+              <a:t>10.06.2018</a:t>
             </a:fld>
             <a:endParaRPr lang="tr-TR"/>
           </a:p>
@@ -11529,7 +11529,7 @@
             <a:fld id="{4B78263D-DD44-4026-8295-FB8E843C0005}" type="datetimeFigureOut">
               <a:rPr lang="tr-TR" smtClean="0"/>
               <a:pPr/>
-              <a:t>9.6.2018</a:t>
+              <a:t>10.06.2018</a:t>
             </a:fld>
             <a:endParaRPr lang="tr-TR"/>
           </a:p>
@@ -12503,7 +12503,7 @@
             <a:fld id="{4B78263D-DD44-4026-8295-FB8E843C0005}" type="datetimeFigureOut">
               <a:rPr lang="tr-TR" smtClean="0"/>
               <a:pPr/>
-              <a:t>9.6.2018</a:t>
+              <a:t>10.06.2018</a:t>
             </a:fld>
             <a:endParaRPr lang="tr-TR"/>
           </a:p>
@@ -12792,7 +12792,7 @@
             <a:fld id="{4B78263D-DD44-4026-8295-FB8E843C0005}" type="datetimeFigureOut">
               <a:rPr lang="tr-TR" smtClean="0"/>
               <a:pPr/>
-              <a:t>9.6.2018</a:t>
+              <a:t>10.06.2018</a:t>
             </a:fld>
             <a:endParaRPr lang="tr-TR"/>
           </a:p>
@@ -13026,7 +13026,7 @@
             <a:fld id="{4B78263D-DD44-4026-8295-FB8E843C0005}" type="datetimeFigureOut">
               <a:rPr lang="tr-TR" smtClean="0"/>
               <a:pPr/>
-              <a:t>9.6.2018</a:t>
+              <a:t>10.06.2018</a:t>
             </a:fld>
             <a:endParaRPr lang="tr-TR"/>
           </a:p>
@@ -13375,7 +13375,7 @@
             <a:fld id="{4B78263D-DD44-4026-8295-FB8E843C0005}" type="datetimeFigureOut">
               <a:rPr lang="tr-TR" smtClean="0"/>
               <a:pPr/>
-              <a:t>9.6.2018</a:t>
+              <a:t>10.06.2018</a:t>
             </a:fld>
             <a:endParaRPr lang="tr-TR"/>
           </a:p>
@@ -13495,7 +13495,7 @@
             <a:fld id="{4B78263D-DD44-4026-8295-FB8E843C0005}" type="datetimeFigureOut">
               <a:rPr lang="tr-TR" smtClean="0"/>
               <a:pPr/>
-              <a:t>9.6.2018</a:t>
+              <a:t>10.06.2018</a:t>
             </a:fld>
             <a:endParaRPr lang="tr-TR"/>
           </a:p>
@@ -13615,7 +13615,7 @@
             <a:fld id="{4B78263D-DD44-4026-8295-FB8E843C0005}" type="datetimeFigureOut">
               <a:rPr lang="tr-TR" smtClean="0"/>
               <a:pPr/>
-              <a:t>9.6.2018</a:t>
+              <a:t>10.06.2018</a:t>
             </a:fld>
             <a:endParaRPr lang="tr-TR"/>
           </a:p>
@@ -13901,7 +13901,7 @@
             <a:fld id="{4B78263D-DD44-4026-8295-FB8E843C0005}" type="datetimeFigureOut">
               <a:rPr lang="tr-TR" smtClean="0"/>
               <a:pPr/>
-              <a:t>9.6.2018</a:t>
+              <a:t>10.06.2018</a:t>
             </a:fld>
             <a:endParaRPr lang="tr-TR"/>
           </a:p>
@@ -14167,7 +14167,7 @@
             <a:fld id="{4B78263D-DD44-4026-8295-FB8E843C0005}" type="datetimeFigureOut">
               <a:rPr lang="tr-TR" smtClean="0"/>
               <a:pPr/>
-              <a:t>9.6.2018</a:t>
+              <a:t>10.06.2018</a:t>
             </a:fld>
             <a:endParaRPr lang="tr-TR"/>
           </a:p>
@@ -14383,7 +14383,7 @@
             <a:fld id="{4B78263D-DD44-4026-8295-FB8E843C0005}" type="datetimeFigureOut">
               <a:rPr lang="tr-TR" smtClean="0"/>
               <a:pPr/>
-              <a:t>9.6.2018</a:t>
+              <a:t>10.06.2018</a:t>
             </a:fld>
             <a:endParaRPr lang="tr-TR"/>
           </a:p>
@@ -15662,7 +15662,7 @@
             <a:fld id="{4B78263D-DD44-4026-8295-FB8E843C0005}" type="datetimeFigureOut">
               <a:rPr lang="tr-TR" smtClean="0"/>
               <a:pPr/>
-              <a:t>9.6.2018</a:t>
+              <a:t>10.06.2018</a:t>
             </a:fld>
             <a:endParaRPr lang="tr-TR"/>
           </a:p>
@@ -16243,14 +16243,11 @@
           <a:lstStyle/>
           <a:p>
             <a:r>
-              <a:rPr lang="en-US" sz="4800" dirty="0" smtClean="0">
+              <a:rPr lang="en-US" sz="4800" dirty="0">
                 <a:latin typeface="Calibri" panose="020F0502020204030204" pitchFamily="34" charset="0"/>
               </a:rPr>
               <a:t>Image Classification of Fashion Products</a:t>
             </a:r>
-            <a:endParaRPr lang="en-US" sz="4800" dirty="0">
-              <a:latin typeface="Calibri" panose="020F0502020204030204" pitchFamily="34" charset="0"/>
-            </a:endParaRPr>
           </a:p>
         </p:txBody>
       </p:sp>
@@ -16277,13 +16274,13 @@
           <a:lstStyle/>
           <a:p>
             <a:r>
-              <a:rPr lang="en-US" dirty="0" smtClean="0">
+              <a:rPr lang="en-US" dirty="0">
                 <a:latin typeface="Calibri" panose="020F0502020204030204" pitchFamily="34" charset="0"/>
               </a:rPr>
               <a:t>Authors</a:t>
             </a:r>
             <a:r>
-              <a:rPr lang="tr-TR" dirty="0" smtClean="0">
+              <a:rPr lang="tr-TR" dirty="0">
                 <a:latin typeface="Calibri" panose="020F0502020204030204" pitchFamily="34" charset="0"/>
               </a:rPr>
               <a:t>:</a:t>
@@ -16294,18 +16291,18 @@
               <a:buNone/>
             </a:pPr>
             <a:r>
-              <a:rPr lang="en-US" dirty="0" smtClean="0">
+              <a:rPr lang="en-US" dirty="0">
                 <a:latin typeface="Calibri" panose="020F0502020204030204" pitchFamily="34" charset="0"/>
               </a:rPr>
               <a:t>Ufuk Umut </a:t>
             </a:r>
             <a:r>
-              <a:rPr lang="en-US" dirty="0" err="1" smtClean="0">
+              <a:rPr lang="en-US" dirty="0" err="1">
                 <a:latin typeface="Calibri" panose="020F0502020204030204" pitchFamily="34" charset="0"/>
               </a:rPr>
               <a:t>Şentürk</a:t>
             </a:r>
-            <a:endParaRPr lang="tr-TR" dirty="0" smtClean="0">
+            <a:endParaRPr lang="tr-TR" dirty="0">
               <a:latin typeface="Calibri" panose="020F0502020204030204" pitchFamily="34" charset="0"/>
             </a:endParaRPr>
           </a:p>
@@ -16314,7 +16311,7 @@
               <a:buNone/>
             </a:pPr>
             <a:r>
-              <a:rPr lang="en-US" dirty="0" smtClean="0">
+              <a:rPr lang="en-US" dirty="0">
                 <a:latin typeface="Calibri" panose="020F0502020204030204" pitchFamily="34" charset="0"/>
               </a:rPr>
               <a:t>21427435</a:t>
@@ -16325,31 +16322,31 @@
               <a:buNone/>
             </a:pPr>
             <a:r>
-              <a:rPr lang="en-US" dirty="0" err="1" smtClean="0">
+              <a:rPr lang="en-US" dirty="0" err="1">
                 <a:latin typeface="Calibri" panose="020F0502020204030204" pitchFamily="34" charset="0"/>
               </a:rPr>
               <a:t>Muhammet</a:t>
             </a:r>
             <a:r>
-              <a:rPr lang="en-US" dirty="0" smtClean="0">
+              <a:rPr lang="en-US" dirty="0">
                 <a:latin typeface="Calibri" panose="020F0502020204030204" pitchFamily="34" charset="0"/>
               </a:rPr>
               <a:t> </a:t>
             </a:r>
             <a:r>
-              <a:rPr lang="en-US" dirty="0" err="1" smtClean="0">
+              <a:rPr lang="en-US" dirty="0" err="1">
                 <a:latin typeface="Calibri" panose="020F0502020204030204" pitchFamily="34" charset="0"/>
               </a:rPr>
               <a:t>Emin</a:t>
             </a:r>
             <a:r>
-              <a:rPr lang="en-US" dirty="0" smtClean="0">
+              <a:rPr lang="en-US" dirty="0">
                 <a:latin typeface="Calibri" panose="020F0502020204030204" pitchFamily="34" charset="0"/>
               </a:rPr>
               <a:t>  </a:t>
             </a:r>
             <a:r>
-              <a:rPr lang="en-US" dirty="0" err="1" smtClean="0">
+              <a:rPr lang="en-US" dirty="0" err="1">
                 <a:latin typeface="Calibri" panose="020F0502020204030204" pitchFamily="34" charset="0"/>
               </a:rPr>
               <a:t>Özgür</a:t>
@@ -16363,12 +16360,12 @@
               <a:buNone/>
             </a:pPr>
             <a:r>
-              <a:rPr lang="en-US" dirty="0" smtClean="0">
+              <a:rPr lang="en-US" dirty="0">
                 <a:latin typeface="Calibri" panose="020F0502020204030204" pitchFamily="34" charset="0"/>
               </a:rPr>
               <a:t>21427229</a:t>
             </a:r>
-            <a:endParaRPr lang="tr-TR" dirty="0" smtClean="0">
+            <a:endParaRPr lang="tr-TR" dirty="0">
               <a:latin typeface="Calibri" panose="020F0502020204030204" pitchFamily="34" charset="0"/>
             </a:endParaRPr>
           </a:p>
@@ -16408,13 +16405,6 @@
   <p:clrMapOvr>
     <a:masterClrMapping/>
   </p:clrMapOvr>
-  <p:timing>
-    <p:tnLst>
-      <p:par>
-        <p:cTn id="1" dur="indefinite" restart="never" nodeType="tmRoot"/>
-      </p:par>
-    </p:tnLst>
-  </p:timing>
 </p:sld>
 </file>
 
@@ -16451,7 +16441,7 @@
           <a:lstStyle/>
           <a:p>
             <a:r>
-              <a:rPr lang="en-US" dirty="0" smtClean="0"/>
+              <a:rPr lang="en-US" dirty="0"/>
               <a:t>Analysis</a:t>
             </a:r>
             <a:endParaRPr lang="tr-TR" dirty="0"/>
@@ -16498,27 +16488,7 @@
             </a:r>
             <a:r>
               <a:rPr lang="en-US" dirty="0"/>
-              <a:t>, VGG16 pre-trained models. As you </a:t>
-            </a:r>
-            <a:r>
-              <a:rPr lang="en-US" dirty="0" smtClean="0"/>
-              <a:t>can see</a:t>
-            </a:r>
-            <a:r>
-              <a:rPr lang="en-US" dirty="0"/>
-              <a:t>, on this problem this 3 models gives similar </a:t>
-            </a:r>
-            <a:r>
-              <a:rPr lang="en-US" dirty="0" err="1" smtClean="0"/>
-              <a:t>scorsand</a:t>
-            </a:r>
-            <a:r>
-              <a:rPr lang="en-US" dirty="0" smtClean="0"/>
-              <a:t> </a:t>
-            </a:r>
-            <a:r>
-              <a:rPr lang="en-US" dirty="0"/>
-              <a:t>loss on training phase whether they are fine-tuned or not. This makes us think that it stuck in local-maxima point and oscillates around same point which is a problem that many neural networks suffer. Because loss and training accuracy do not increase as epoch goes. Thus we even tried greater learning rates and different optimizers such as </a:t>
+              <a:t>, VGG16 pre-trained models. As you we will see, on this problem this 3 models gives similar scores and loss on training phase whether they are fine-tuned or not. This makes us think that it stuck in local-maxima point and oscillates around same point which is a problem that many neural networks suffer. Because loss and training accuracy do not increase as epoch goes, we have even tried greater learning rates and different optimizers such as </a:t>
             </a:r>
             <a:r>
               <a:rPr lang="en-US" dirty="0" err="1"/>
@@ -16601,11 +16571,11 @@
           <a:lstStyle/>
           <a:p>
             <a:r>
-              <a:rPr lang="en-US" dirty="0" err="1" smtClean="0"/>
+              <a:rPr lang="en-US" dirty="0" err="1"/>
               <a:t>AlexNet</a:t>
             </a:r>
             <a:r>
-              <a:rPr lang="en-US" dirty="0" smtClean="0"/>
+              <a:rPr lang="en-US" dirty="0"/>
               <a:t> loss plot  </a:t>
             </a:r>
             <a:endParaRPr lang="tr-TR" dirty="0"/>
@@ -16677,16 +16647,8 @@
           <a:lstStyle/>
           <a:p>
             <a:r>
-              <a:rPr lang="en-US" dirty="0" smtClean="0"/>
-              <a:t>Different </a:t>
-            </a:r>
-            <a:r>
               <a:rPr lang="en-US" dirty="0"/>
-              <a:t>thresholding methods have been tried. Best thresholding method as we discussed in Method section, .5 , .6, .7, .8, .9 thresholds are used. 0.5 threshold gives best results as we expected. Because sigmoid function is used for loss layer that it convergences or learns according to that function</a:t>
-            </a:r>
-            <a:r>
-              <a:rPr lang="en-US" dirty="0" smtClean="0"/>
-              <a:t>.</a:t>
+              <a:t>Different thresholding methods have been tried. Best thresholding method as we discussed in Method section, .5 , .6, .7, .8, .9 thresholds are used. 0.5 threshold gives best results as we expected. Because sigmoid function is used for loss layer that it convergences or learns according to that function.</a:t>
             </a:r>
           </a:p>
           <a:p>
@@ -16787,10 +16749,6 @@
             <a:r>
               <a:rPr lang="en-US" dirty="0"/>
               <a:t> with SGD</a:t>
-            </a:r>
-            <a:r>
-              <a:rPr lang="tr-TR" dirty="0"/>
-              <a:t/>
             </a:r>
             <a:br>
               <a:rPr lang="tr-TR" dirty="0"/>
@@ -16908,10 +16866,6 @@
           <a:bodyPr/>
           <a:lstStyle/>
           <a:p>
-            <a:r>
-              <a:rPr lang="tr-TR" dirty="0"/>
-              <a:t/>
-            </a:r>
             <a:br>
               <a:rPr lang="tr-TR" dirty="0"/>
             </a:br>
@@ -17024,11 +16978,11 @@
           <a:lstStyle/>
           <a:p>
             <a:r>
-              <a:rPr lang="en-US" dirty="0" err="1" smtClean="0"/>
+              <a:rPr lang="en-US" dirty="0" err="1"/>
               <a:t>AlexNet</a:t>
             </a:r>
             <a:r>
-              <a:rPr lang="en-US" dirty="0" smtClean="0"/>
+              <a:rPr lang="en-US" dirty="0"/>
               <a:t> with Adam</a:t>
             </a:r>
             <a:endParaRPr lang="tr-TR" dirty="0"/>
@@ -17248,7 +17202,7 @@
           <a:lstStyle/>
           <a:p>
             <a:r>
-              <a:rPr lang="en-US" dirty="0" smtClean="0"/>
+              <a:rPr lang="en-US" dirty="0"/>
               <a:t>ResNet18 with SGD</a:t>
             </a:r>
             <a:endParaRPr lang="tr-TR" dirty="0"/>
@@ -17468,11 +17422,11 @@
           <a:lstStyle/>
           <a:p>
             <a:r>
-              <a:rPr lang="en-US" dirty="0" err="1" smtClean="0"/>
+              <a:rPr lang="en-US" dirty="0" err="1"/>
               <a:t>SqueezeNet</a:t>
             </a:r>
             <a:r>
-              <a:rPr lang="en-US" dirty="0" smtClean="0"/>
+              <a:rPr lang="en-US" dirty="0"/>
               <a:t> with SGD</a:t>
             </a:r>
             <a:endParaRPr lang="tr-TR" dirty="0"/>
@@ -17692,14 +17646,11 @@
           <a:lstStyle/>
           <a:p>
             <a:r>
-              <a:rPr lang="en-US" dirty="0" smtClean="0">
+              <a:rPr lang="en-US" dirty="0">
                 <a:latin typeface="Calibri" panose="020F0502020204030204" pitchFamily="34" charset="0"/>
               </a:rPr>
               <a:t>Problem Definition</a:t>
             </a:r>
-            <a:endParaRPr lang="en-US" dirty="0">
-              <a:latin typeface="Calibri" panose="020F0502020204030204" pitchFamily="34" charset="0"/>
-            </a:endParaRPr>
           </a:p>
         </p:txBody>
       </p:sp>
@@ -17726,47 +17677,20 @@
           <a:lstStyle/>
           <a:p>
             <a:r>
-              <a:rPr lang="en-US" sz="2800" noProof="1" smtClean="0">
+              <a:rPr lang="en-US" sz="2800" noProof="1">
                 <a:latin typeface="Calibri" panose="020F0502020204030204" pitchFamily="34" charset="0"/>
               </a:rPr>
-              <a:t>Basically aim is, like any other classification problem, is to classify un-labeled </a:t>
-            </a:r>
-            <a:r>
-              <a:rPr lang="en-US" sz="2800" noProof="1" smtClean="0">
+              <a:t>Basically aim is, like any other classification problem, is to classify un-labeled samples which are images contains fashion products. </a:t>
+            </a:r>
+          </a:p>
+          <a:p>
+            <a:r>
+              <a:rPr lang="en-US" sz="2800" noProof="1">
                 <a:latin typeface="Calibri" panose="020F0502020204030204" pitchFamily="34" charset="0"/>
               </a:rPr>
-              <a:t>samples which are images contains fashion products. </a:t>
-            </a:r>
-            <a:endParaRPr lang="en-US" sz="2800" noProof="1" smtClean="0">
-              <a:latin typeface="Calibri" panose="020F0502020204030204" pitchFamily="34" charset="0"/>
-            </a:endParaRPr>
-          </a:p>
-          <a:p>
-            <a:r>
-              <a:rPr lang="en-US" sz="2800" noProof="1" smtClean="0">
-                <a:latin typeface="Calibri" panose="020F0502020204030204" pitchFamily="34" charset="0"/>
-              </a:rPr>
-              <a:t>However specifically, there are so much noise(like multiple angles in one </a:t>
-            </a:r>
-            <a:r>
-              <a:rPr lang="en-US" sz="2800" noProof="1" smtClean="0">
-                <a:latin typeface="Calibri" panose="020F0502020204030204" pitchFamily="34" charset="0"/>
-              </a:rPr>
-              <a:t>image) </a:t>
-            </a:r>
-            <a:r>
-              <a:rPr lang="en-US" sz="2800" noProof="1" smtClean="0">
-                <a:latin typeface="Calibri" panose="020F0502020204030204" pitchFamily="34" charset="0"/>
-              </a:rPr>
-              <a:t>in dataset and great class variations. Also, another challenge is dataset is </a:t>
-            </a:r>
-            <a:r>
-              <a:rPr lang="en-US" sz="2800" noProof="1" smtClean="0">
-                <a:latin typeface="Calibri" panose="020F0502020204030204" pitchFamily="34" charset="0"/>
-              </a:rPr>
-              <a:t>multi-labeled.</a:t>
-            </a:r>
-            <a:endParaRPr lang="tr-TR" sz="2800" noProof="1" smtClean="0">
+              <a:t>However specifically, there are so much noise(like multiple angles in one image) in dataset and great class variations. Also, another challenge is dataset is multi-labeled.</a:t>
+            </a:r>
+            <a:endParaRPr lang="tr-TR" sz="2800" noProof="1">
               <a:latin typeface="Calibri" panose="020F0502020204030204" pitchFamily="34" charset="0"/>
             </a:endParaRPr>
           </a:p>
@@ -17782,13 +17706,6 @@
   <p:clrMapOvr>
     <a:masterClrMapping/>
   </p:clrMapOvr>
-  <p:timing>
-    <p:tnLst>
-      <p:par>
-        <p:cTn id="1" dur="indefinite" restart="never" nodeType="tmRoot"/>
-      </p:par>
-    </p:tnLst>
-  </p:timing>
 </p:sld>
 </file>
 
@@ -17825,7 +17742,7 @@
           <a:lstStyle/>
           <a:p>
             <a:r>
-              <a:rPr lang="en-US" dirty="0" smtClean="0"/>
+              <a:rPr lang="en-US" dirty="0"/>
               <a:t>VGG16 with Freezing</a:t>
             </a:r>
             <a:endParaRPr lang="tr-TR" dirty="0"/>
@@ -18045,7 +17962,7 @@
           <a:lstStyle/>
           <a:p>
             <a:r>
-              <a:rPr lang="en-US" dirty="0" smtClean="0"/>
+              <a:rPr lang="en-US" dirty="0"/>
               <a:t>VGG16 without Freezing</a:t>
             </a:r>
             <a:endParaRPr lang="tr-TR" dirty="0"/>
@@ -18265,7 +18182,7 @@
           <a:lstStyle/>
           <a:p>
             <a:r>
-              <a:rPr lang="en-US" dirty="0" smtClean="0"/>
+              <a:rPr lang="en-US" dirty="0"/>
               <a:t>Discussion</a:t>
             </a:r>
             <a:endParaRPr lang="tr-TR" dirty="0"/>
@@ -18293,22 +18210,9 @@
           <a:lstStyle/>
           <a:p>
             <a:r>
-              <a:rPr lang="en-US" dirty="0" smtClean="0"/>
-              <a:t>Those </a:t>
-            </a:r>
-            <a:r>
               <a:rPr lang="en-US" dirty="0"/>
-              <a:t>results are </a:t>
-            </a:r>
-            <a:r>
-              <a:rPr lang="en-US" dirty="0" smtClean="0"/>
-              <a:t>not satisfactory</a:t>
-            </a:r>
-            <a:r>
-              <a:rPr lang="en-US" dirty="0"/>
-              <a:t>. We expected at least \%70-\%80 in training scores. One of the reason why it did not happened to be those kind of scores is to probably stuck at some local-maxima point. </a:t>
-            </a:r>
-            <a:endParaRPr lang="en-US" dirty="0" smtClean="0"/>
+              <a:t>Those results are not satisfactory. We expected at least \%70-\%80 in training scores. One of the reason why it did not happened to be those kind of scores is to probably stuck at some local-maxima point. </a:t>
+            </a:r>
           </a:p>
           <a:p>
             <a:r>
@@ -18390,11 +18294,7 @@
           <a:p>
             <a:r>
               <a:rPr lang="en-US" dirty="0"/>
-              <a:t>Another thing could be done is finding threshold for all labels instead of global threshold. It is actually implemented, but we could not try for analysis. In our implementation, we tried thresholds 0.1 to 0.9 with step size 0.1, then after applying this threshold to predictions calculates Matthews correlation coefficient which is a measure of the quality of binary classifications</a:t>
-            </a:r>
-            <a:r>
-              <a:rPr lang="en-US" dirty="0" smtClean="0"/>
-              <a:t>.</a:t>
+              <a:t>Another thing could be done is finding threshold for all labels instead of global threshold. It is actually implemented, but we could not try for analysis. In our implementation, we tried thresholds 0.1 to 0.9 with step size 0.1, then after applying this threshold to predictions calculates Matthews correlation coefficient which is a measure of the quality of binary classifications.</a:t>
             </a:r>
           </a:p>
           <a:p>
@@ -18452,14 +18352,11 @@
           <a:lstStyle/>
           <a:p>
             <a:r>
-              <a:rPr lang="en-US" dirty="0" smtClean="0">
+              <a:rPr lang="en-US" dirty="0">
                 <a:latin typeface="Calibri" panose="020F0502020204030204" pitchFamily="34" charset="0"/>
               </a:rPr>
               <a:t>Dataset</a:t>
             </a:r>
-            <a:endParaRPr lang="en-US" dirty="0">
-              <a:latin typeface="Calibri" panose="020F0502020204030204" pitchFamily="34" charset="0"/>
-            </a:endParaRPr>
           </a:p>
         </p:txBody>
       </p:sp>
@@ -18486,28 +18383,16 @@
           <a:lstStyle/>
           <a:p>
             <a:r>
-              <a:rPr lang="en-US" sz="2800" dirty="0" smtClean="0">
+              <a:rPr lang="en-US" sz="2800" dirty="0">
                 <a:latin typeface="Calibri" panose="020F0502020204030204" pitchFamily="34" charset="0"/>
               </a:rPr>
               <a:t>Training dataset consists of 25.000 multi-labeled images(1.57 GB). Test dataset consists of 9891 images(627 MB) and subset of </a:t>
             </a:r>
             <a:r>
-              <a:rPr lang="en-US" sz="2800" dirty="0" err="1" smtClean="0">
+              <a:rPr lang="en-US" sz="2800" dirty="0" err="1">
                 <a:latin typeface="Calibri" panose="020F0502020204030204" pitchFamily="34" charset="0"/>
               </a:rPr>
               <a:t>Kaggle</a:t>
-            </a:r>
-            <a:r>
-              <a:rPr lang="en-US" sz="2800" dirty="0" smtClean="0">
-                <a:latin typeface="Calibri" panose="020F0502020204030204" pitchFamily="34" charset="0"/>
-              </a:rPr>
-              <a:t> </a:t>
-            </a:r>
-            <a:r>
-              <a:rPr lang="en-US" sz="2800" dirty="0" err="1" smtClean="0">
-                <a:latin typeface="Calibri" panose="020F0502020204030204" pitchFamily="34" charset="0"/>
-              </a:rPr>
-              <a:t>iMaterialist</a:t>
             </a:r>
             <a:r>
               <a:rPr lang="en-US" sz="2800" dirty="0">
@@ -18516,32 +18401,26 @@
               <a:t> </a:t>
             </a:r>
             <a:r>
-              <a:rPr lang="en-US" sz="2800" dirty="0" smtClean="0">
+              <a:rPr lang="en-US" sz="2800" dirty="0" err="1">
                 <a:latin typeface="Calibri" panose="020F0502020204030204" pitchFamily="34" charset="0"/>
               </a:rPr>
-              <a:t>Challenge Fashion.</a:t>
-            </a:r>
-          </a:p>
-          <a:p>
-            <a:r>
-              <a:rPr lang="en-US" sz="2800" dirty="0" smtClean="0">
+              <a:t>iMaterialist</a:t>
+            </a:r>
+            <a:r>
+              <a:rPr lang="en-US" sz="2800" dirty="0">
                 <a:latin typeface="Calibri" panose="020F0502020204030204" pitchFamily="34" charset="0"/>
               </a:rPr>
-              <a:t>Validation dataset is created by splitting randomly </a:t>
-            </a:r>
-            <a:r>
-              <a:rPr lang="en-US" sz="2800" dirty="0" smtClean="0">
+              <a:t> Challenge Fashion.</a:t>
+            </a:r>
+          </a:p>
+          <a:p>
+            <a:r>
+              <a:rPr lang="en-US" sz="2800" dirty="0">
                 <a:latin typeface="Calibri" panose="020F0502020204030204" pitchFamily="34" charset="0"/>
               </a:rPr>
-              <a:t>training </a:t>
-            </a:r>
-            <a:r>
-              <a:rPr lang="en-US" sz="2800" dirty="0" smtClean="0">
-                <a:latin typeface="Calibri" panose="020F0502020204030204" pitchFamily="34" charset="0"/>
-              </a:rPr>
-              <a:t>dataset into validation dataset and training dataset.</a:t>
-            </a:r>
-            <a:endParaRPr lang="tr-TR" sz="2800" dirty="0" smtClean="0">
+              <a:t>Validation dataset is created by splitting randomly training dataset into validation dataset and training dataset.</a:t>
+            </a:r>
+            <a:endParaRPr lang="tr-TR" sz="2800" dirty="0">
               <a:latin typeface="Calibri" panose="020F0502020204030204" pitchFamily="34" charset="0"/>
             </a:endParaRPr>
           </a:p>
@@ -18549,7 +18428,7 @@
             <a:pPr marL="0" indent="0" algn="just">
               <a:buNone/>
             </a:pPr>
-            <a:endParaRPr lang="tr-TR" noProof="1" smtClean="0">
+            <a:endParaRPr lang="tr-TR" noProof="1">
               <a:latin typeface="Calibri" panose="020F0502020204030204" pitchFamily="34" charset="0"/>
             </a:endParaRPr>
           </a:p>
@@ -18557,7 +18436,7 @@
             <a:pPr marL="0" indent="0" algn="just">
               <a:buNone/>
             </a:pPr>
-            <a:endParaRPr lang="tr-TR" noProof="1" smtClean="0">
+            <a:endParaRPr lang="tr-TR" noProof="1">
               <a:latin typeface="Calibri" panose="020F0502020204030204" pitchFamily="34" charset="0"/>
             </a:endParaRPr>
           </a:p>
@@ -18565,7 +18444,7 @@
             <a:pPr marL="0" indent="0" algn="just">
               <a:buNone/>
             </a:pPr>
-            <a:endParaRPr lang="tr-TR" noProof="1" smtClean="0">
+            <a:endParaRPr lang="tr-TR" noProof="1">
               <a:latin typeface="Calibri" panose="020F0502020204030204" pitchFamily="34" charset="0"/>
             </a:endParaRPr>
           </a:p>
@@ -18573,7 +18452,7 @@
             <a:pPr marL="0" indent="0" algn="just">
               <a:buNone/>
             </a:pPr>
-            <a:endParaRPr lang="tr-TR" noProof="1" smtClean="0">
+            <a:endParaRPr lang="tr-TR" noProof="1">
               <a:latin typeface="Calibri" panose="020F0502020204030204" pitchFamily="34" charset="0"/>
             </a:endParaRPr>
           </a:p>
@@ -18581,7 +18460,7 @@
             <a:pPr marL="0" indent="0" algn="just">
               <a:buNone/>
             </a:pPr>
-            <a:endParaRPr lang="tr-TR" noProof="1" smtClean="0">
+            <a:endParaRPr lang="tr-TR" noProof="1">
               <a:latin typeface="Calibri" panose="020F0502020204030204" pitchFamily="34" charset="0"/>
             </a:endParaRPr>
           </a:p>
@@ -18589,7 +18468,7 @@
             <a:pPr marL="0" indent="0" algn="just">
               <a:buNone/>
             </a:pPr>
-            <a:endParaRPr lang="tr-TR" noProof="1" smtClean="0">
+            <a:endParaRPr lang="tr-TR" noProof="1">
               <a:latin typeface="Calibri" panose="020F0502020204030204" pitchFamily="34" charset="0"/>
             </a:endParaRPr>
           </a:p>
@@ -18597,7 +18476,7 @@
             <a:pPr marL="0" indent="0" algn="just">
               <a:buNone/>
             </a:pPr>
-            <a:endParaRPr lang="tr-TR" noProof="1" smtClean="0">
+            <a:endParaRPr lang="tr-TR" noProof="1">
               <a:latin typeface="Calibri" panose="020F0502020204030204" pitchFamily="34" charset="0"/>
             </a:endParaRPr>
           </a:p>
@@ -18621,13 +18500,6 @@
   <p:clrMapOvr>
     <a:masterClrMapping/>
   </p:clrMapOvr>
-  <p:timing>
-    <p:tnLst>
-      <p:par>
-        <p:cTn id="1" dur="indefinite" restart="never" nodeType="tmRoot"/>
-      </p:par>
-    </p:tnLst>
-  </p:timing>
 </p:sld>
 </file>
 
@@ -18664,14 +18536,11 @@
           <a:lstStyle/>
           <a:p>
             <a:r>
-              <a:rPr lang="en-US" noProof="1" smtClean="0">
+              <a:rPr lang="en-US" noProof="1">
                 <a:latin typeface="Calibri" panose="020F0502020204030204" pitchFamily="34" charset="0"/>
               </a:rPr>
               <a:t>Convolutional Neural Networks</a:t>
             </a:r>
-            <a:endParaRPr lang="en-US" noProof="1">
-              <a:latin typeface="Calibri" panose="020F0502020204030204" pitchFamily="34" charset="0"/>
-            </a:endParaRPr>
           </a:p>
         </p:txBody>
       </p:sp>
@@ -18698,7 +18567,7 @@
           <a:lstStyle/>
           <a:p>
             <a:r>
-              <a:rPr lang="en-US" sz="2400" dirty="0" smtClean="0">
+              <a:rPr lang="en-US" sz="2400" dirty="0">
                 <a:latin typeface="Calibri" panose="020F0502020204030204" pitchFamily="34" charset="0"/>
               </a:rPr>
               <a:t>First, we tried to get best optimal solution. So using pre-trained and proven CNNs and applying fine-tuning on this network.</a:t>
@@ -18706,7 +18575,7 @@
           </a:p>
           <a:p>
             <a:r>
-              <a:rPr lang="en-US" sz="2400" dirty="0" smtClean="0">
+              <a:rPr lang="en-US" sz="2400" dirty="0">
                 <a:latin typeface="Calibri" panose="020F0502020204030204" pitchFamily="34" charset="0"/>
               </a:rPr>
               <a:t>We prefer CNNs for our classification model. Because, they are created for especially image classification. We can feed them raw images and can get really good results.</a:t>
@@ -18714,7 +18583,7 @@
           </a:p>
           <a:p>
             <a:r>
-              <a:rPr lang="en-US" sz="2400" dirty="0" smtClean="0">
+              <a:rPr lang="en-US" sz="2400" dirty="0">
                 <a:latin typeface="Calibri" panose="020F0502020204030204" pitchFamily="34" charset="0"/>
               </a:rPr>
               <a:t>Because, they can learn their own filters which is parameters and can extract features with those kernels or filters.</a:t>
@@ -18722,43 +18591,43 @@
           </a:p>
           <a:p>
             <a:r>
-              <a:rPr lang="en-US" sz="2400" dirty="0" smtClean="0">
+              <a:rPr lang="en-US" sz="2400" dirty="0">
                 <a:latin typeface="Calibri" panose="020F0502020204030204" pitchFamily="34" charset="0"/>
               </a:rPr>
               <a:t>VGG, </a:t>
             </a:r>
             <a:r>
-              <a:rPr lang="en-US" sz="2400" dirty="0" err="1" smtClean="0">
+              <a:rPr lang="en-US" sz="2400" dirty="0" err="1">
                 <a:latin typeface="Calibri" panose="020F0502020204030204" pitchFamily="34" charset="0"/>
               </a:rPr>
               <a:t>ResNet</a:t>
             </a:r>
             <a:r>
-              <a:rPr lang="en-US" sz="2400" dirty="0" smtClean="0">
+              <a:rPr lang="en-US" sz="2400" dirty="0">
                 <a:latin typeface="Calibri" panose="020F0502020204030204" pitchFamily="34" charset="0"/>
               </a:rPr>
               <a:t>, </a:t>
             </a:r>
             <a:r>
-              <a:rPr lang="en-US" sz="2400" dirty="0" err="1" smtClean="0">
+              <a:rPr lang="en-US" sz="2400" dirty="0" err="1">
                 <a:latin typeface="Calibri" panose="020F0502020204030204" pitchFamily="34" charset="0"/>
               </a:rPr>
               <a:t>SquezeeNet</a:t>
             </a:r>
             <a:r>
-              <a:rPr lang="en-US" sz="2400" dirty="0" smtClean="0">
+              <a:rPr lang="en-US" sz="2400" dirty="0">
                 <a:latin typeface="Calibri" panose="020F0502020204030204" pitchFamily="34" charset="0"/>
               </a:rPr>
               <a:t> and </a:t>
             </a:r>
             <a:r>
-              <a:rPr lang="en-US" sz="2400" dirty="0" err="1" smtClean="0">
+              <a:rPr lang="en-US" sz="2400" dirty="0" err="1">
                 <a:latin typeface="Calibri" panose="020F0502020204030204" pitchFamily="34" charset="0"/>
               </a:rPr>
               <a:t>Alexnet</a:t>
             </a:r>
             <a:r>
-              <a:rPr lang="en-US" sz="2400" dirty="0" smtClean="0">
+              <a:rPr lang="en-US" sz="2400" dirty="0">
                 <a:latin typeface="Calibri" panose="020F0502020204030204" pitchFamily="34" charset="0"/>
               </a:rPr>
               <a:t> models are used which is trained on ImageNet.</a:t>
@@ -18770,30 +18639,30 @@
             </a:endParaRPr>
           </a:p>
           <a:p>
-            <a:endParaRPr lang="tr-TR" dirty="0" smtClean="0">
-              <a:latin typeface="Calibri" panose="020F0502020204030204" pitchFamily="34" charset="0"/>
-            </a:endParaRPr>
-          </a:p>
-          <a:p>
             <a:endParaRPr lang="tr-TR" dirty="0">
               <a:latin typeface="Calibri" panose="020F0502020204030204" pitchFamily="34" charset="0"/>
             </a:endParaRPr>
           </a:p>
           <a:p>
-            <a:pPr marL="0" indent="0">
-              <a:buNone/>
-            </a:pPr>
-            <a:endParaRPr lang="tr-TR" sz="2000" dirty="0" smtClean="0">
-              <a:latin typeface="Calibri" panose="020F0502020204030204" pitchFamily="34" charset="0"/>
-            </a:endParaRPr>
-          </a:p>
-          <a:p>
             <a:endParaRPr lang="tr-TR" dirty="0">
               <a:latin typeface="Calibri" panose="020F0502020204030204" pitchFamily="34" charset="0"/>
             </a:endParaRPr>
           </a:p>
           <a:p>
-            <a:endParaRPr lang="tr-TR" dirty="0" smtClean="0">
+            <a:pPr marL="0" indent="0">
+              <a:buNone/>
+            </a:pPr>
+            <a:endParaRPr lang="tr-TR" sz="2000" dirty="0">
+              <a:latin typeface="Calibri" panose="020F0502020204030204" pitchFamily="34" charset="0"/>
+            </a:endParaRPr>
+          </a:p>
+          <a:p>
+            <a:endParaRPr lang="tr-TR" dirty="0">
+              <a:latin typeface="Calibri" panose="020F0502020204030204" pitchFamily="34" charset="0"/>
+            </a:endParaRPr>
+          </a:p>
+          <a:p>
+            <a:endParaRPr lang="tr-TR" dirty="0">
               <a:latin typeface="Calibri" panose="020F0502020204030204" pitchFamily="34" charset="0"/>
             </a:endParaRPr>
           </a:p>
@@ -18814,13 +18683,6 @@
   <p:clrMapOvr>
     <a:masterClrMapping/>
   </p:clrMapOvr>
-  <p:timing>
-    <p:tnLst>
-      <p:par>
-        <p:cTn id="1" dur="indefinite" restart="never" nodeType="tmRoot"/>
-      </p:par>
-    </p:tnLst>
-  </p:timing>
 </p:sld>
 </file>
 
@@ -18857,7 +18719,7 @@
           <a:lstStyle/>
           <a:p>
             <a:r>
-              <a:rPr lang="en-US" dirty="0" smtClean="0"/>
+              <a:rPr lang="en-US" dirty="0"/>
               <a:t>Method</a:t>
             </a:r>
             <a:endParaRPr lang="tr-TR" dirty="0"/>
@@ -18887,62 +18749,26 @@
           <a:lstStyle/>
           <a:p>
             <a:r>
-              <a:rPr lang="en-US" dirty="0" smtClean="0"/>
+              <a:rPr lang="en-US" dirty="0"/>
               <a:t>We fine-tune our models by changing last layer according to number of classes. Also, we can freeze top-layers to prevent them learning and use pre-trained weights. </a:t>
             </a:r>
           </a:p>
           <a:p>
             <a:r>
-              <a:rPr lang="en-US" dirty="0" smtClean="0"/>
-              <a:t>Basic </a:t>
-            </a:r>
-            <a:r>
               <a:rPr lang="en-US" dirty="0"/>
-              <a:t>data augmentation </a:t>
-            </a:r>
-            <a:r>
-              <a:rPr lang="en-US" dirty="0" smtClean="0"/>
-              <a:t>is used </a:t>
-            </a:r>
+              <a:t>Basic data augmentation is used that is method flipping the image horizontally with probability of 0.5.</a:t>
+            </a:r>
+          </a:p>
+          <a:p>
             <a:r>
               <a:rPr lang="en-US" dirty="0"/>
-              <a:t>that is method flipping the image horizontally with probability of </a:t>
-            </a:r>
-            <a:r>
-              <a:rPr lang="en-US" dirty="0" smtClean="0"/>
-              <a:t>0.5.</a:t>
-            </a:r>
-          </a:p>
-          <a:p>
-            <a:r>
-              <a:rPr lang="en-US" dirty="0" smtClean="0"/>
-              <a:t>We use sigmoid function </a:t>
-            </a:r>
+              <a:t>We use sigmoid function for lost layer and binary cross entropy function which special case of cross entropy function. </a:t>
+            </a:r>
+          </a:p>
+          <a:p>
             <a:r>
               <a:rPr lang="en-US" dirty="0"/>
-              <a:t>for lost layer and binary cross entropy </a:t>
-            </a:r>
-            <a:r>
-              <a:rPr lang="en-US" dirty="0" smtClean="0"/>
-              <a:t>function which special case of cross entropy function. </a:t>
-            </a:r>
-          </a:p>
-          <a:p>
-            <a:r>
-              <a:rPr lang="en-US" dirty="0" smtClean="0"/>
-              <a:t>Because, dataset is multi-labeled </a:t>
-            </a:r>
-            <a:r>
-              <a:rPr lang="en-US" dirty="0"/>
-              <a:t>so </a:t>
-            </a:r>
-            <a:r>
-              <a:rPr lang="en-US" dirty="0" smtClean="0"/>
-              <a:t>the </a:t>
-            </a:r>
-            <a:r>
-              <a:rPr lang="en-US" dirty="0"/>
-              <a:t>output sums up to the number of labels per input. In this case, we would like to know the percentage on how likely sample has a given class.</a:t>
+              <a:t>Because, dataset is multi-labeled so the output sums up to the number of labels per input. In this case, we would like to know the percentage on how likely sample has a given class.</a:t>
             </a:r>
           </a:p>
           <a:p>
@@ -18960,13 +18786,6 @@
   <p:clrMapOvr>
     <a:masterClrMapping/>
   </p:clrMapOvr>
-  <p:timing>
-    <p:tnLst>
-      <p:par>
-        <p:cTn id="1" dur="indefinite" restart="never" nodeType="tmRoot"/>
-      </p:par>
-    </p:tnLst>
-  </p:timing>
 </p:sld>
 </file>
 
@@ -19023,55 +18842,26 @@
           <a:p>
             <a:r>
               <a:rPr lang="en-US" dirty="0"/>
-              <a:t>Stochastic gradient descent is used for weight optimizations and multi label soft margin loss function is used for loss computation</a:t>
-            </a:r>
-            <a:r>
-              <a:rPr lang="en-US" dirty="0" smtClean="0"/>
-              <a:t>.</a:t>
-            </a:r>
-          </a:p>
-          <a:p>
-            <a:r>
-              <a:rPr lang="en-US" dirty="0" smtClean="0"/>
-              <a:t>Multi </a:t>
-            </a:r>
+              <a:t>Stochastic gradient descent is used for weight optimizations and multi label soft margin loss function is used for loss computation.</a:t>
+            </a:r>
+          </a:p>
+          <a:p>
             <a:r>
               <a:rPr lang="en-US" dirty="0"/>
-              <a:t>label soft margin loss is just combination of sigmoid function and binary cross entropy function so it fits case of our </a:t>
-            </a:r>
-            <a:r>
-              <a:rPr lang="en-US" dirty="0" smtClean="0"/>
-              <a:t>dataset.</a:t>
+              <a:t>Multi label soft margin loss is just combination of sigmoid function and binary cross entropy function so it fits case of our dataset.</a:t>
             </a:r>
           </a:p>
           <a:p>
             <a:r>
               <a:rPr lang="en-US" dirty="0"/>
-              <a:t>For inference which is testing and validation, sigmoid is used for as final decision </a:t>
-            </a:r>
-            <a:r>
-              <a:rPr lang="en-US" dirty="0" smtClean="0"/>
-              <a:t>layer.</a:t>
-            </a:r>
-          </a:p>
-          <a:p>
-            <a:r>
-              <a:rPr lang="en-US" dirty="0" smtClean="0"/>
-              <a:t>We </a:t>
-            </a:r>
+              <a:t>For inference which is testing and validation, sigmoid is used for as final decision layer.</a:t>
+            </a:r>
+          </a:p>
+          <a:p>
             <a:r>
               <a:rPr lang="en-US" dirty="0"/>
-              <a:t>introduce the threshold for </a:t>
-            </a:r>
-            <a:r>
-              <a:rPr lang="en-US" dirty="0" smtClean="0"/>
-              <a:t>response of </a:t>
-            </a:r>
-            <a:r>
-              <a:rPr lang="en-US" dirty="0"/>
-              <a:t>the sigmoid function. It is 0.5 for default.</a:t>
-            </a:r>
-            <a:endParaRPr lang="en-US" dirty="0" smtClean="0"/>
+              <a:t>We introduce the threshold for response of the sigmoid function. It is 0.5 for default.</a:t>
+            </a:r>
           </a:p>
           <a:p>
             <a:endParaRPr lang="tr-TR" dirty="0"/>
@@ -19088,13 +18878,6 @@
   <p:clrMapOvr>
     <a:masterClrMapping/>
   </p:clrMapOvr>
-  <p:timing>
-    <p:tnLst>
-      <p:par>
-        <p:cTn id="1" dur="indefinite" restart="never" nodeType="tmRoot"/>
-      </p:par>
-    </p:tnLst>
-  </p:timing>
 </p:sld>
 </file>
 
@@ -19155,48 +18938,24 @@
           <a:lstStyle/>
           <a:p>
             <a:r>
-              <a:rPr lang="en-US" dirty="0" smtClean="0"/>
-              <a:t>For evaluation, hamming </a:t>
-            </a:r>
-            <a:r>
               <a:rPr lang="en-US" dirty="0"/>
-              <a:t>score and f1 </a:t>
-            </a:r>
-            <a:r>
-              <a:rPr lang="en-US" dirty="0" smtClean="0"/>
-              <a:t>score are used.</a:t>
+              <a:t>For evaluation, hamming score and f1 score are used.</a:t>
             </a:r>
           </a:p>
           <a:p>
             <a:r>
               <a:rPr lang="en-US" dirty="0"/>
-              <a:t>We used hamming score because to see whether network is clueless or just misses some of the labels. Because generally accuracy term means exact match and for multi labeled case this cannot give us full insight about our predictions</a:t>
-            </a:r>
-            <a:r>
-              <a:rPr lang="en-US" dirty="0" smtClean="0"/>
-              <a:t>.</a:t>
+              <a:t>We used hamming score because to see whether network is clueless or just misses some of the labels. Because generally accuracy term means exact match and for multi labeled case this cannot give us full insight about our predictions.</a:t>
             </a:r>
           </a:p>
           <a:p>
             <a:r>
               <a:rPr lang="en-US" dirty="0"/>
-              <a:t>In Hamming Score, we just basically calculate average of intersection over union. That means for each predictions we take </a:t>
-            </a:r>
-            <a:r>
-              <a:rPr lang="en-US" dirty="0" smtClean="0"/>
-              <a:t>intersection of </a:t>
-            </a:r>
-            <a:r>
-              <a:rPr lang="en-US" dirty="0"/>
-              <a:t>predicted labels and target labels then divide them by union of predicted labels and target labels</a:t>
-            </a:r>
-            <a:r>
-              <a:rPr lang="en-US" dirty="0" smtClean="0"/>
-              <a:t>.</a:t>
-            </a:r>
-          </a:p>
-          <a:p>
-            <a:endParaRPr lang="en-US" dirty="0" smtClean="0"/>
+              <a:t>In Hamming Score, we just basically calculate average of intersection over union. That means for each predictions we take intersection of predicted labels and target labels then divide them by union of predicted labels and target labels.</a:t>
+            </a:r>
+          </a:p>
+          <a:p>
+            <a:endParaRPr lang="en-US" dirty="0"/>
           </a:p>
           <a:p>
             <a:endParaRPr lang="tr-TR" dirty="0"/>
@@ -19213,13 +18972,6 @@
   <p:clrMapOvr>
     <a:masterClrMapping/>
   </p:clrMapOvr>
-  <p:timing>
-    <p:tnLst>
-      <p:par>
-        <p:cTn id="1" dur="indefinite" restart="never" nodeType="tmRoot"/>
-      </p:par>
-    </p:tnLst>
-  </p:timing>
 </p:sld>
 </file>
 
@@ -19255,7 +19007,7 @@
           <a:bodyPr/>
           <a:lstStyle/>
           <a:p>
-            <a:endParaRPr lang="tr-TR"/>
+            <a:endParaRPr lang="tr-TR" dirty="0"/>
           </a:p>
         </p:txBody>
       </p:sp>
@@ -19275,27 +19027,19 @@
           <a:lstStyle/>
           <a:p>
             <a:r>
-              <a:rPr lang="en-US" dirty="0" smtClean="0"/>
-              <a:t>Actually, fine-tuning </a:t>
-            </a:r>
-            <a:r>
               <a:rPr lang="en-US" dirty="0"/>
-              <a:t>is used for limitations and effect on this </a:t>
-            </a:r>
-            <a:r>
-              <a:rPr lang="en-US" dirty="0" smtClean="0"/>
-              <a:t>dataset.</a:t>
-            </a:r>
-          </a:p>
-          <a:p>
-            <a:r>
-              <a:rPr lang="en-US" dirty="0" smtClean="0"/>
+              <a:t>Actually, fine-tuning is used for limitations and effect on this dataset.</a:t>
+            </a:r>
+          </a:p>
+          <a:p>
+            <a:r>
+              <a:rPr lang="en-US" dirty="0"/>
               <a:t>After obtaining model that is trained on ImageNet, we change last layer according to our dataset classes.</a:t>
             </a:r>
           </a:p>
           <a:p>
             <a:r>
-              <a:rPr lang="en-US" dirty="0" smtClean="0"/>
+              <a:rPr lang="en-US" dirty="0"/>
               <a:t>Then, there are 2 possible ways to go. First one is freezing all layers except final layer then keep training. Seconds one is training without freezing layers.</a:t>
             </a:r>
             <a:endParaRPr lang="tr-TR" dirty="0"/>
@@ -19367,12 +19111,8 @@
           <a:lstStyle/>
           <a:p>
             <a:r>
-              <a:rPr lang="en-US" dirty="0" smtClean="0"/>
-              <a:t>Implementation </a:t>
-            </a:r>
-            <a:r>
               <a:rPr lang="en-US" dirty="0"/>
-              <a:t>is based on </a:t>
+              <a:t>Implementation is based on </a:t>
             </a:r>
             <a:r>
               <a:rPr lang="en-US" dirty="0" err="1"/>
@@ -19388,45 +19128,17 @@
             </a:r>
             <a:r>
               <a:rPr lang="en-US" dirty="0"/>
-              <a:t> models and wrap them with our classes</a:t>
-            </a:r>
-            <a:r>
-              <a:rPr lang="en-US" dirty="0" smtClean="0"/>
-              <a:t>.</a:t>
+              <a:t> models and wrap them with our classes.</a:t>
             </a:r>
           </a:p>
           <a:p>
             <a:r>
               <a:rPr lang="tr-TR" dirty="0"/>
-              <a:t>For data set </a:t>
-            </a:r>
-            <a:r>
-              <a:rPr lang="tr-TR" dirty="0" smtClean="0"/>
-              <a:t>loading</a:t>
-            </a:r>
-            <a:r>
-              <a:rPr lang="en-US" dirty="0" smtClean="0"/>
-              <a:t>, </a:t>
+              <a:t>For data set loading</a:t>
             </a:r>
             <a:r>
               <a:rPr lang="en-US" dirty="0"/>
-              <a:t>we used </a:t>
-            </a:r>
-            <a:r>
-              <a:rPr lang="en-US" dirty="0" smtClean="0"/>
-              <a:t>lazy </a:t>
-            </a:r>
-            <a:r>
-              <a:rPr lang="en-US" dirty="0"/>
-              <a:t>loader </a:t>
-            </a:r>
-            <a:r>
-              <a:rPr lang="en-US" dirty="0" smtClean="0"/>
-              <a:t>implementation </a:t>
-            </a:r>
-            <a:r>
-              <a:rPr lang="en-US" dirty="0"/>
-              <a:t>which is data is loaded on the fly. That means just batches are loaded when they are needed. </a:t>
+              <a:t>, we used lazy loader implementation which is data is loaded on the fly. That means just batches are loaded when they are needed. </a:t>
             </a:r>
             <a:endParaRPr lang="tr-TR" dirty="0"/>
           </a:p>
